--- a/slide.pptx
+++ b/slide.pptx
@@ -201,7 +201,7 @@
           <a:p>
             <a:fld id="{E824E6A8-721A-D742-87C2-59510E8DC8CA}" type="datetimeFigureOut">
               <a:rPr kumimoji="1" lang="ja-JP" altLang="en-US" smtClean="0"/>
-              <a:t>6/20/16</a:t>
+              <a:t>6/21/16</a:t>
             </a:fld>
             <a:endParaRPr kumimoji="1" lang="ja-JP" altLang="en-US"/>
           </a:p>
@@ -367,7 +367,7 @@
           <a:p>
             <a:fld id="{7900CDE6-7139-394D-B06C-457D239DC67F}" type="datetimeFigureOut">
               <a:rPr kumimoji="1" lang="ja-JP" altLang="en-US" smtClean="0"/>
-              <a:t>6/20/16</a:t>
+              <a:t>6/21/16</a:t>
             </a:fld>
             <a:endParaRPr kumimoji="1" lang="ja-JP" altLang="en-US"/>
           </a:p>
@@ -5495,19 +5495,7 @@
             </a:pPr>
             <a:r>
               <a:rPr lang="ja-JP" altLang="en-US" dirty="0" smtClean="0"/>
-              <a:t>半角の</a:t>
-            </a:r>
-            <a:r>
-              <a:rPr lang="ja-JP" altLang="en-US" dirty="0" smtClean="0"/>
-              <a:t>記号類</a:t>
-            </a:r>
-            <a:r>
-              <a:rPr lang="ja-JP" altLang="en-US" dirty="0" smtClean="0"/>
-              <a:t>を含む</a:t>
-            </a:r>
-            <a:r>
-              <a:rPr lang="ja-JP" altLang="en-US" dirty="0" smtClean="0"/>
-              <a:t>文字列</a:t>
+              <a:t>半角の記号類を含む文字列</a:t>
             </a:r>
             <a:r>
               <a:rPr lang="ja-JP" altLang="en-US" dirty="0"/>
@@ -6268,8 +6256,24 @@
           </a:p>
           <a:p>
             <a:r>
+              <a:rPr lang="en-US" altLang="ja-JP" dirty="0" err="1" smtClean="0"/>
+              <a:t>vec.txt.a</a:t>
+            </a:r>
+            <a:r>
               <a:rPr lang="en-US" altLang="ja-JP" dirty="0" smtClean="0"/>
-              <a:t>vec.txt.bz2: </a:t>
+              <a:t>{</a:t>
+            </a:r>
+            <a:r>
+              <a:rPr lang="en-US" altLang="ja-JP" dirty="0" err="1" smtClean="0"/>
+              <a:t>a,b,c,d,e</a:t>
+            </a:r>
+            <a:r>
+              <a:rPr lang="en-US" altLang="ja-JP" dirty="0" smtClean="0"/>
+              <a:t>}.</a:t>
+            </a:r>
+            <a:r>
+              <a:rPr lang="en-US" altLang="ja-JP" dirty="0" smtClean="0"/>
+              <a:t>bz2: </a:t>
             </a:r>
             <a:r>
               <a:rPr lang="ja-JP" altLang="en-US" dirty="0" smtClean="0"/>
@@ -6285,18 +6289,23 @@
             </a:r>
             <a:r>
               <a:rPr lang="ja-JP" altLang="en-US" dirty="0" smtClean="0"/>
-              <a:t>に存在するもの</a:t>
+              <a:t>に存在する</a:t>
+            </a:r>
+            <a:r>
+              <a:rPr lang="ja-JP" altLang="en-US" dirty="0" smtClean="0"/>
+              <a:t>もの</a:t>
             </a:r>
             <a:r>
               <a:rPr lang="en-US" altLang="ja-JP" dirty="0"/>
-              <a:t/>
-            </a:r>
-            <a:br>
-              <a:rPr lang="en-US" altLang="ja-JP" dirty="0"/>
-            </a:br>
+              <a:t> </a:t>
+            </a:r>
             <a:r>
               <a:rPr lang="en-US" altLang="ja-JP" dirty="0" smtClean="0"/>
-              <a:t>(535,173 </a:t>
+              <a:t>(</a:t>
+            </a:r>
+            <a:r>
+              <a:rPr lang="en-US" altLang="ja-JP" dirty="0" smtClean="0"/>
+              <a:t>535,173 </a:t>
             </a:r>
             <a:r>
               <a:rPr lang="ja-JP" altLang="en-US" dirty="0" smtClean="0"/>
